--- a/iskwela1/ppt for images/Presentation1.pptx
+++ b/iskwela1/ppt for images/Presentation1.pptx
@@ -263,7 +263,7 @@
           <a:p>
             <a:fld id="{BC548EA0-BD0E-439F-9411-DA56B6D5F27B}" type="datetimeFigureOut">
               <a:rPr lang="en-US" smtClean="0"/>
-              <a:t>1/4/2020</a:t>
+              <a:t>1/11/2020</a:t>
             </a:fld>
             <a:endParaRPr lang="en-US"/>
           </a:p>
@@ -461,7 +461,7 @@
           <a:p>
             <a:fld id="{BC548EA0-BD0E-439F-9411-DA56B6D5F27B}" type="datetimeFigureOut">
               <a:rPr lang="en-US" smtClean="0"/>
-              <a:t>1/4/2020</a:t>
+              <a:t>1/11/2020</a:t>
             </a:fld>
             <a:endParaRPr lang="en-US"/>
           </a:p>
@@ -669,7 +669,7 @@
           <a:p>
             <a:fld id="{BC548EA0-BD0E-439F-9411-DA56B6D5F27B}" type="datetimeFigureOut">
               <a:rPr lang="en-US" smtClean="0"/>
-              <a:t>1/4/2020</a:t>
+              <a:t>1/11/2020</a:t>
             </a:fld>
             <a:endParaRPr lang="en-US"/>
           </a:p>
@@ -867,7 +867,7 @@
           <a:p>
             <a:fld id="{BC548EA0-BD0E-439F-9411-DA56B6D5F27B}" type="datetimeFigureOut">
               <a:rPr lang="en-US" smtClean="0"/>
-              <a:t>1/4/2020</a:t>
+              <a:t>1/11/2020</a:t>
             </a:fld>
             <a:endParaRPr lang="en-US"/>
           </a:p>
@@ -1142,7 +1142,7 @@
           <a:p>
             <a:fld id="{BC548EA0-BD0E-439F-9411-DA56B6D5F27B}" type="datetimeFigureOut">
               <a:rPr lang="en-US" smtClean="0"/>
-              <a:t>1/4/2020</a:t>
+              <a:t>1/11/2020</a:t>
             </a:fld>
             <a:endParaRPr lang="en-US"/>
           </a:p>
@@ -1407,7 +1407,7 @@
           <a:p>
             <a:fld id="{BC548EA0-BD0E-439F-9411-DA56B6D5F27B}" type="datetimeFigureOut">
               <a:rPr lang="en-US" smtClean="0"/>
-              <a:t>1/4/2020</a:t>
+              <a:t>1/11/2020</a:t>
             </a:fld>
             <a:endParaRPr lang="en-US"/>
           </a:p>
@@ -1819,7 +1819,7 @@
           <a:p>
             <a:fld id="{BC548EA0-BD0E-439F-9411-DA56B6D5F27B}" type="datetimeFigureOut">
               <a:rPr lang="en-US" smtClean="0"/>
-              <a:t>1/4/2020</a:t>
+              <a:t>1/11/2020</a:t>
             </a:fld>
             <a:endParaRPr lang="en-US"/>
           </a:p>
@@ -1960,7 +1960,7 @@
           <a:p>
             <a:fld id="{BC548EA0-BD0E-439F-9411-DA56B6D5F27B}" type="datetimeFigureOut">
               <a:rPr lang="en-US" smtClean="0"/>
-              <a:t>1/4/2020</a:t>
+              <a:t>1/11/2020</a:t>
             </a:fld>
             <a:endParaRPr lang="en-US"/>
           </a:p>
@@ -2073,7 +2073,7 @@
           <a:p>
             <a:fld id="{BC548EA0-BD0E-439F-9411-DA56B6D5F27B}" type="datetimeFigureOut">
               <a:rPr lang="en-US" smtClean="0"/>
-              <a:t>1/4/2020</a:t>
+              <a:t>1/11/2020</a:t>
             </a:fld>
             <a:endParaRPr lang="en-US"/>
           </a:p>
@@ -2384,7 +2384,7 @@
           <a:p>
             <a:fld id="{BC548EA0-BD0E-439F-9411-DA56B6D5F27B}" type="datetimeFigureOut">
               <a:rPr lang="en-US" smtClean="0"/>
-              <a:t>1/4/2020</a:t>
+              <a:t>1/11/2020</a:t>
             </a:fld>
             <a:endParaRPr lang="en-US"/>
           </a:p>
@@ -2672,7 +2672,7 @@
           <a:p>
             <a:fld id="{BC548EA0-BD0E-439F-9411-DA56B6D5F27B}" type="datetimeFigureOut">
               <a:rPr lang="en-US" smtClean="0"/>
-              <a:t>1/4/2020</a:t>
+              <a:t>1/11/2020</a:t>
             </a:fld>
             <a:endParaRPr lang="en-US"/>
           </a:p>
@@ -2913,7 +2913,7 @@
           <a:p>
             <a:fld id="{BC548EA0-BD0E-439F-9411-DA56B6D5F27B}" type="datetimeFigureOut">
               <a:rPr lang="en-US" smtClean="0"/>
-              <a:t>1/4/2020</a:t>
+              <a:t>1/11/2020</a:t>
             </a:fld>
             <a:endParaRPr lang="en-US"/>
           </a:p>
@@ -5532,6 +5532,63 @@
           </a:p>
         </p:txBody>
       </p:sp>
+      <p:sp>
+        <p:nvSpPr>
+          <p:cNvPr id="3" name="Rectangle 2">
+            <a:extLst>
+              <a:ext uri="{FF2B5EF4-FFF2-40B4-BE49-F238E27FC236}">
+                <a16:creationId xmlns:a16="http://schemas.microsoft.com/office/drawing/2014/main" id="{CDE4E42B-95D2-4AEC-8D74-02F1DDC19936}"/>
+              </a:ext>
+            </a:extLst>
+          </p:cNvPr>
+          <p:cNvSpPr/>
+          <p:nvPr/>
+        </p:nvSpPr>
+        <p:spPr>
+          <a:xfrm>
+            <a:off x="304800" y="3836504"/>
+            <a:ext cx="11767930" cy="2385392"/>
+          </a:xfrm>
+          <a:prstGeom prst="rect">
+            <a:avLst/>
+          </a:prstGeom>
+          <a:solidFill>
+            <a:srgbClr val="172D5A"/>
+          </a:solidFill>
+          <a:ln>
+            <a:noFill/>
+          </a:ln>
+        </p:spPr>
+        <p:style>
+          <a:lnRef idx="2">
+            <a:schemeClr val="accent1">
+              <a:shade val="50000"/>
+            </a:schemeClr>
+          </a:lnRef>
+          <a:fillRef idx="1">
+            <a:schemeClr val="accent1"/>
+          </a:fillRef>
+          <a:effectRef idx="0">
+            <a:schemeClr val="accent1"/>
+          </a:effectRef>
+          <a:fontRef idx="minor">
+            <a:schemeClr val="lt1"/>
+          </a:fontRef>
+        </p:style>
+        <p:txBody>
+          <a:bodyPr rtlCol="0" anchor="ctr"/>
+          <a:lstStyle/>
+          <a:p>
+            <a:pPr algn="ctr"/>
+            <a:r>
+              <a:rPr lang="en-US" sz="8000" dirty="0">
+                <a:latin typeface="Montserrat SemiBold" panose="00000700000000000000" pitchFamily="50" charset="0"/>
+              </a:rPr>
+              <a:t>Watson Discovery</a:t>
+            </a:r>
+          </a:p>
+        </p:txBody>
+      </p:sp>
     </p:spTree>
     <p:extLst>
       <p:ext uri="{BB962C8B-B14F-4D97-AF65-F5344CB8AC3E}">
